--- a/Documentos/Apresentação.pptx
+++ b/Documentos/Apresentação.pptx
@@ -111,6 +111,11 @@
       </a:defRPr>
     </a:lvl9pPr>
   </p:defaultTextStyle>
+  <p:extLst>
+    <p:ext uri="{EFAFB233-063F-42B5-8137-9DF3F51BA10A}">
+      <p15:sldGuideLst xmlns:p15="http://schemas.microsoft.com/office/powerpoint/2012/main"/>
+    </p:ext>
+  </p:extLst>
 </p:presentation>
 </file>
 
@@ -261,7 +266,7 @@
           <a:p>
             <a:fld id="{194D4FC8-0441-4BEF-8982-BC7C35474150}" type="datetimeFigureOut">
               <a:rPr lang="pt-BR" smtClean="0"/>
-              <a:t>12/06/2022</a:t>
+              <a:t>14/06/2022</a:t>
             </a:fld>
             <a:endParaRPr lang="pt-BR"/>
           </a:p>
@@ -459,7 +464,7 @@
           <a:p>
             <a:fld id="{194D4FC8-0441-4BEF-8982-BC7C35474150}" type="datetimeFigureOut">
               <a:rPr lang="pt-BR" smtClean="0"/>
-              <a:t>12/06/2022</a:t>
+              <a:t>14/06/2022</a:t>
             </a:fld>
             <a:endParaRPr lang="pt-BR"/>
           </a:p>
@@ -667,7 +672,7 @@
           <a:p>
             <a:fld id="{194D4FC8-0441-4BEF-8982-BC7C35474150}" type="datetimeFigureOut">
               <a:rPr lang="pt-BR" smtClean="0"/>
-              <a:t>12/06/2022</a:t>
+              <a:t>14/06/2022</a:t>
             </a:fld>
             <a:endParaRPr lang="pt-BR"/>
           </a:p>
@@ -865,7 +870,7 @@
           <a:p>
             <a:fld id="{194D4FC8-0441-4BEF-8982-BC7C35474150}" type="datetimeFigureOut">
               <a:rPr lang="pt-BR" smtClean="0"/>
-              <a:t>12/06/2022</a:t>
+              <a:t>14/06/2022</a:t>
             </a:fld>
             <a:endParaRPr lang="pt-BR"/>
           </a:p>
@@ -1140,7 +1145,7 @@
           <a:p>
             <a:fld id="{194D4FC8-0441-4BEF-8982-BC7C35474150}" type="datetimeFigureOut">
               <a:rPr lang="pt-BR" smtClean="0"/>
-              <a:t>12/06/2022</a:t>
+              <a:t>14/06/2022</a:t>
             </a:fld>
             <a:endParaRPr lang="pt-BR"/>
           </a:p>
@@ -1405,7 +1410,7 @@
           <a:p>
             <a:fld id="{194D4FC8-0441-4BEF-8982-BC7C35474150}" type="datetimeFigureOut">
               <a:rPr lang="pt-BR" smtClean="0"/>
-              <a:t>12/06/2022</a:t>
+              <a:t>14/06/2022</a:t>
             </a:fld>
             <a:endParaRPr lang="pt-BR"/>
           </a:p>
@@ -1817,7 +1822,7 @@
           <a:p>
             <a:fld id="{194D4FC8-0441-4BEF-8982-BC7C35474150}" type="datetimeFigureOut">
               <a:rPr lang="pt-BR" smtClean="0"/>
-              <a:t>12/06/2022</a:t>
+              <a:t>14/06/2022</a:t>
             </a:fld>
             <a:endParaRPr lang="pt-BR"/>
           </a:p>
@@ -1958,7 +1963,7 @@
           <a:p>
             <a:fld id="{194D4FC8-0441-4BEF-8982-BC7C35474150}" type="datetimeFigureOut">
               <a:rPr lang="pt-BR" smtClean="0"/>
-              <a:t>12/06/2022</a:t>
+              <a:t>14/06/2022</a:t>
             </a:fld>
             <a:endParaRPr lang="pt-BR"/>
           </a:p>
@@ -2071,7 +2076,7 @@
           <a:p>
             <a:fld id="{194D4FC8-0441-4BEF-8982-BC7C35474150}" type="datetimeFigureOut">
               <a:rPr lang="pt-BR" smtClean="0"/>
-              <a:t>12/06/2022</a:t>
+              <a:t>14/06/2022</a:t>
             </a:fld>
             <a:endParaRPr lang="pt-BR"/>
           </a:p>
@@ -2382,7 +2387,7 @@
           <a:p>
             <a:fld id="{194D4FC8-0441-4BEF-8982-BC7C35474150}" type="datetimeFigureOut">
               <a:rPr lang="pt-BR" smtClean="0"/>
-              <a:t>12/06/2022</a:t>
+              <a:t>14/06/2022</a:t>
             </a:fld>
             <a:endParaRPr lang="pt-BR"/>
           </a:p>
@@ -2670,7 +2675,7 @@
           <a:p>
             <a:fld id="{194D4FC8-0441-4BEF-8982-BC7C35474150}" type="datetimeFigureOut">
               <a:rPr lang="pt-BR" smtClean="0"/>
-              <a:t>12/06/2022</a:t>
+              <a:t>14/06/2022</a:t>
             </a:fld>
             <a:endParaRPr lang="pt-BR"/>
           </a:p>
@@ -2916,7 +2921,7 @@
           <a:p>
             <a:fld id="{194D4FC8-0441-4BEF-8982-BC7C35474150}" type="datetimeFigureOut">
               <a:rPr lang="pt-BR" smtClean="0"/>
-              <a:t>12/06/2022</a:t>
+              <a:t>14/06/2022</a:t>
             </a:fld>
             <a:endParaRPr lang="pt-BR"/>
           </a:p>
@@ -3672,7 +3677,7 @@
         </p:nvSpPr>
         <p:spPr>
           <a:xfrm>
-            <a:off x="2084825" y="1938767"/>
+            <a:off x="2237250" y="2078726"/>
             <a:ext cx="2136000" cy="332700"/>
           </a:xfrm>
           <a:prstGeom prst="rect">
@@ -3990,7 +3995,7 @@
         </p:nvSpPr>
         <p:spPr>
           <a:xfrm>
-            <a:off x="2084825" y="2742947"/>
+            <a:off x="2237250" y="2882906"/>
             <a:ext cx="2136000" cy="555900"/>
           </a:xfrm>
           <a:prstGeom prst="rect">
@@ -4328,7 +4333,7 @@
         </p:nvSpPr>
         <p:spPr>
           <a:xfrm>
-            <a:off x="2084825" y="2301857"/>
+            <a:off x="2237250" y="2441816"/>
             <a:ext cx="2136000" cy="410700"/>
           </a:xfrm>
           <a:prstGeom prst="rect">
@@ -4651,7 +4656,7 @@
         </p:nvSpPr>
         <p:spPr>
           <a:xfrm>
-            <a:off x="4875612" y="1938732"/>
+            <a:off x="5028037" y="2078691"/>
             <a:ext cx="2136000" cy="332700"/>
           </a:xfrm>
           <a:prstGeom prst="rect">
@@ -4969,7 +4974,7 @@
         </p:nvSpPr>
         <p:spPr>
           <a:xfrm>
-            <a:off x="4875575" y="2710658"/>
+            <a:off x="5028000" y="2850617"/>
             <a:ext cx="2136000" cy="555900"/>
           </a:xfrm>
           <a:prstGeom prst="rect">
@@ -5286,7 +5291,7 @@
         </p:nvSpPr>
         <p:spPr>
           <a:xfrm>
-            <a:off x="4875592" y="2301857"/>
+            <a:off x="5028017" y="2441816"/>
             <a:ext cx="2136000" cy="410700"/>
           </a:xfrm>
           <a:prstGeom prst="rect">
@@ -5586,7 +5591,7 @@
         </p:nvSpPr>
         <p:spPr>
           <a:xfrm>
-            <a:off x="7666348" y="1938732"/>
+            <a:off x="7818773" y="2078691"/>
             <a:ext cx="2136000" cy="332700"/>
           </a:xfrm>
           <a:prstGeom prst="rect">
@@ -5904,7 +5909,7 @@
         </p:nvSpPr>
         <p:spPr>
           <a:xfrm>
-            <a:off x="7666325" y="2742947"/>
+            <a:off x="7818750" y="2882906"/>
             <a:ext cx="2136000" cy="555900"/>
           </a:xfrm>
           <a:prstGeom prst="rect">
@@ -6237,7 +6242,7 @@
         </p:nvSpPr>
         <p:spPr>
           <a:xfrm>
-            <a:off x="7666325" y="2301857"/>
+            <a:off x="7818750" y="2441816"/>
             <a:ext cx="2136000" cy="410700"/>
           </a:xfrm>
           <a:prstGeom prst="rect">
@@ -6567,7 +6572,7 @@
         </p:nvSpPr>
         <p:spPr>
           <a:xfrm>
-            <a:off x="2084825" y="3658530"/>
+            <a:off x="2237250" y="3798489"/>
             <a:ext cx="2136000" cy="332700"/>
           </a:xfrm>
           <a:prstGeom prst="rect">
@@ -6885,7 +6890,7 @@
         </p:nvSpPr>
         <p:spPr>
           <a:xfrm>
-            <a:off x="2084825" y="4489278"/>
+            <a:off x="2237250" y="4629237"/>
             <a:ext cx="2136000" cy="555900"/>
           </a:xfrm>
           <a:prstGeom prst="rect">
@@ -7241,7 +7246,7 @@
         </p:nvSpPr>
         <p:spPr>
           <a:xfrm>
-            <a:off x="2084825" y="4025332"/>
+            <a:off x="2237250" y="4165291"/>
             <a:ext cx="2136000" cy="410700"/>
           </a:xfrm>
           <a:prstGeom prst="rect">
@@ -7559,7 +7564,7 @@
         </p:nvSpPr>
         <p:spPr>
           <a:xfrm>
-            <a:off x="4875612" y="3658495"/>
+            <a:off x="5028037" y="3798454"/>
             <a:ext cx="2136000" cy="332700"/>
           </a:xfrm>
           <a:prstGeom prst="rect">
@@ -7877,7 +7882,7 @@
         </p:nvSpPr>
         <p:spPr>
           <a:xfrm>
-            <a:off x="4875575" y="4489278"/>
+            <a:off x="5028000" y="4629237"/>
             <a:ext cx="2136000" cy="555900"/>
           </a:xfrm>
           <a:prstGeom prst="rect">
@@ -8185,7 +8190,7 @@
         </p:nvSpPr>
         <p:spPr>
           <a:xfrm>
-            <a:off x="4875592" y="4025332"/>
+            <a:off x="5028017" y="4165291"/>
             <a:ext cx="2136000" cy="410700"/>
           </a:xfrm>
           <a:prstGeom prst="rect">
@@ -8481,7 +8486,7 @@
         </p:nvSpPr>
         <p:spPr>
           <a:xfrm>
-            <a:off x="7666348" y="3658495"/>
+            <a:off x="7818773" y="3798454"/>
             <a:ext cx="2136000" cy="332700"/>
           </a:xfrm>
           <a:prstGeom prst="rect">
@@ -8799,7 +8804,7 @@
         </p:nvSpPr>
         <p:spPr>
           <a:xfrm>
-            <a:off x="7666325" y="4489278"/>
+            <a:off x="7818750" y="4629237"/>
             <a:ext cx="2136000" cy="555900"/>
           </a:xfrm>
           <a:prstGeom prst="rect">
@@ -9161,7 +9166,7 @@
         </p:nvSpPr>
         <p:spPr>
           <a:xfrm>
-            <a:off x="7666324" y="4025332"/>
+            <a:off x="7818749" y="4165291"/>
             <a:ext cx="2288425" cy="410700"/>
           </a:xfrm>
           <a:prstGeom prst="rect">
@@ -9473,13 +9478,13 @@
   <p:clrMapOvr>
     <a:masterClrMapping/>
   </p:clrMapOvr>
-  <mc:AlternateContent xmlns:mc="http://schemas.openxmlformats.org/markup-compatibility/2006">
-    <mc:Choice xmlns:p14="http://schemas.microsoft.com/office/powerpoint/2010/main" Requires="p14">
+  <mc:AlternateContent xmlns:mc="http://schemas.openxmlformats.org/markup-compatibility/2006" xmlns:p14="http://schemas.microsoft.com/office/powerpoint/2010/main">
+    <mc:Choice Requires="p14">
       <p:transition spd="med" p14:dur="700">
         <p:fade/>
       </p:transition>
     </mc:Choice>
-    <mc:Fallback>
+    <mc:Fallback xmlns="">
       <p:transition spd="med">
         <p:fade/>
       </p:transition>
@@ -11004,13 +11009,13 @@
   <p:clrMapOvr>
     <a:masterClrMapping/>
   </p:clrMapOvr>
-  <mc:AlternateContent xmlns:mc="http://schemas.openxmlformats.org/markup-compatibility/2006">
-    <mc:Choice xmlns:p14="http://schemas.microsoft.com/office/powerpoint/2010/main" Requires="p14">
+  <mc:AlternateContent xmlns:mc="http://schemas.openxmlformats.org/markup-compatibility/2006" xmlns:p14="http://schemas.microsoft.com/office/powerpoint/2010/main">
+    <mc:Choice Requires="p14">
       <p:transition spd="med" p14:dur="700">
         <p:fade/>
       </p:transition>
     </mc:Choice>
-    <mc:Fallback>
+    <mc:Fallback xmlns="">
       <p:transition spd="med">
         <p:fade/>
       </p:transition>
@@ -11920,13 +11925,13 @@
   <p:clrMapOvr>
     <a:masterClrMapping/>
   </p:clrMapOvr>
-  <mc:AlternateContent xmlns:mc="http://schemas.openxmlformats.org/markup-compatibility/2006">
-    <mc:Choice xmlns:p14="http://schemas.microsoft.com/office/powerpoint/2010/main" Requires="p14">
+  <mc:AlternateContent xmlns:mc="http://schemas.openxmlformats.org/markup-compatibility/2006" xmlns:p14="http://schemas.microsoft.com/office/powerpoint/2010/main">
+    <mc:Choice Requires="p14">
       <p:transition spd="med" p14:dur="700">
         <p:fade/>
       </p:transition>
     </mc:Choice>
-    <mc:Fallback>
+    <mc:Fallback xmlns="">
       <p:transition spd="med">
         <p:fade/>
       </p:transition>
@@ -13661,29 +13666,7 @@
                 <a:ea typeface="+mn-ea"/>
                 <a:cs typeface="+mn-cs"/>
               </a:rPr>
-              <a:t>talvez</a:t>
-            </a:r>
-            <a:r>
-              <a:rPr lang="en-US" sz="2400" dirty="0">
-                <a:solidFill>
-                  <a:schemeClr val="tx1"/>
-                </a:solidFill>
-                <a:latin typeface="+mn-lt"/>
-                <a:ea typeface="+mn-ea"/>
-                <a:cs typeface="+mn-cs"/>
-              </a:rPr>
-              <a:t> </a:t>
-            </a:r>
-            <a:r>
-              <a:rPr lang="en-US" sz="2400" dirty="0" err="1">
-                <a:solidFill>
-                  <a:schemeClr val="tx1"/>
-                </a:solidFill>
-                <a:latin typeface="+mn-lt"/>
-                <a:ea typeface="+mn-ea"/>
-                <a:cs typeface="+mn-cs"/>
-              </a:rPr>
-              <a:t>possa</a:t>
+              <a:t>pode</a:t>
             </a:r>
             <a:r>
               <a:rPr lang="en-US" sz="2400" dirty="0">
@@ -13788,13 +13771,13 @@
   <p:clrMapOvr>
     <a:masterClrMapping/>
   </p:clrMapOvr>
-  <mc:AlternateContent xmlns:mc="http://schemas.openxmlformats.org/markup-compatibility/2006">
-    <mc:Choice xmlns:p14="http://schemas.microsoft.com/office/powerpoint/2010/main" Requires="p14">
+  <mc:AlternateContent xmlns:mc="http://schemas.openxmlformats.org/markup-compatibility/2006" xmlns:p14="http://schemas.microsoft.com/office/powerpoint/2010/main">
+    <mc:Choice Requires="p14">
       <p:transition spd="med" p14:dur="700">
         <p:fade/>
       </p:transition>
     </mc:Choice>
-    <mc:Fallback>
+    <mc:Fallback xmlns="">
       <p:transition spd="med">
         <p:fade/>
       </p:transition>
@@ -14648,13 +14631,13 @@
   <p:clrMapOvr>
     <a:masterClrMapping/>
   </p:clrMapOvr>
-  <mc:AlternateContent xmlns:mc="http://schemas.openxmlformats.org/markup-compatibility/2006">
-    <mc:Choice xmlns:p14="http://schemas.microsoft.com/office/powerpoint/2010/main" Requires="p14">
+  <mc:AlternateContent xmlns:mc="http://schemas.openxmlformats.org/markup-compatibility/2006" xmlns:p14="http://schemas.microsoft.com/office/powerpoint/2010/main">
+    <mc:Choice Requires="p14">
       <p:transition spd="med" p14:dur="700">
         <p:fade/>
       </p:transition>
     </mc:Choice>
-    <mc:Fallback>
+    <mc:Fallback xmlns="">
       <p:transition spd="med">
         <p:fade/>
       </p:transition>
@@ -16277,6 +16260,18 @@
   <p:clrMapOvr>
     <a:masterClrMapping/>
   </p:clrMapOvr>
+  <mc:AlternateContent xmlns:mc="http://schemas.openxmlformats.org/markup-compatibility/2006">
+    <mc:Choice xmlns:p14="http://schemas.microsoft.com/office/powerpoint/2010/main" Requires="p14">
+      <p:transition spd="med" p14:dur="700">
+        <p:fade/>
+      </p:transition>
+    </mc:Choice>
+    <mc:Fallback>
+      <p:transition spd="med">
+        <p:fade/>
+      </p:transition>
+    </mc:Fallback>
+  </mc:AlternateContent>
 </p:sld>
 </file>
 
@@ -16625,13 +16620,13 @@
   <p:clrMapOvr>
     <a:masterClrMapping/>
   </p:clrMapOvr>
-  <mc:AlternateContent xmlns:mc="http://schemas.openxmlformats.org/markup-compatibility/2006">
-    <mc:Choice xmlns:p14="http://schemas.microsoft.com/office/powerpoint/2010/main" Requires="p14">
+  <mc:AlternateContent xmlns:mc="http://schemas.openxmlformats.org/markup-compatibility/2006" xmlns:p14="http://schemas.microsoft.com/office/powerpoint/2010/main">
+    <mc:Choice Requires="p14">
       <p:transition spd="med" p14:dur="700">
         <p:fade/>
       </p:transition>
     </mc:Choice>
-    <mc:Fallback>
+    <mc:Fallback xmlns="">
       <p:transition spd="med">
         <p:fade/>
       </p:transition>
@@ -17071,13 +17066,13 @@
   <p:clrMapOvr>
     <a:masterClrMapping/>
   </p:clrMapOvr>
-  <mc:AlternateContent xmlns:mc="http://schemas.openxmlformats.org/markup-compatibility/2006">
-    <mc:Choice xmlns:p14="http://schemas.microsoft.com/office/powerpoint/2010/main" Requires="p14">
+  <mc:AlternateContent xmlns:mc="http://schemas.openxmlformats.org/markup-compatibility/2006" xmlns:p14="http://schemas.microsoft.com/office/powerpoint/2010/main">
+    <mc:Choice Requires="p14">
       <p:transition spd="med" p14:dur="700">
         <p:fade/>
       </p:transition>
     </mc:Choice>
-    <mc:Fallback>
+    <mc:Fallback xmlns="">
       <p:transition spd="med">
         <p:fade/>
       </p:transition>
